--- a/Presentation1.pptx
+++ b/Presentation1.pptx
@@ -7,6 +7,9 @@
   <p:sldIdLst>
     <p:sldId id="256" r:id="rId2"/>
     <p:sldId id="257" r:id="rId3"/>
+    <p:sldId id="258" r:id="rId4"/>
+    <p:sldId id="259" r:id="rId5"/>
+    <p:sldId id="260" r:id="rId6"/>
   </p:sldIdLst>
   <p:sldSz cx="12192000" cy="6858000"/>
   <p:notesSz cx="6858000" cy="9144000"/>
@@ -105,6 +108,11 @@
       </a:defRPr>
     </a:lvl9pPr>
   </p:defaultTextStyle>
+  <p:extLst>
+    <p:ext uri="{EFAFB233-063F-42B5-8137-9DF3F51BA10A}">
+      <p15:sldGuideLst xmlns:p15="http://schemas.microsoft.com/office/powerpoint/2012/main"/>
+    </p:ext>
+  </p:extLst>
 </p:presentation>
 </file>
 
@@ -3411,10 +3419,383 @@
           <a:chExt cx="0" cy="0"/>
         </a:xfrm>
       </p:grpSpPr>
+      <p:pic>
+        <p:nvPicPr>
+          <p:cNvPr id="3" name="Picture 2" descr="Chart, scatter chart&#10;&#10;Description automatically generated">
+            <a:extLst>
+              <a:ext uri="{FF2B5EF4-FFF2-40B4-BE49-F238E27FC236}">
+                <a16:creationId xmlns:a16="http://schemas.microsoft.com/office/drawing/2014/main" id="{E5C380FB-F144-4C0E-A8AC-258D145B7739}"/>
+              </a:ext>
+            </a:extLst>
+          </p:cNvPr>
+          <p:cNvPicPr>
+            <a:picLocks noChangeAspect="1"/>
+          </p:cNvPicPr>
+          <p:nvPr/>
+        </p:nvPicPr>
+        <p:blipFill>
+          <a:blip r:embed="rId2">
+            <a:extLst>
+              <a:ext uri="{28A0092B-C50C-407E-A947-70E740481C1C}">
+                <a14:useLocalDpi xmlns:a14="http://schemas.microsoft.com/office/drawing/2010/main" val="0"/>
+              </a:ext>
+            </a:extLst>
+          </a:blip>
+          <a:stretch>
+            <a:fillRect/>
+          </a:stretch>
+        </p:blipFill>
+        <p:spPr>
+          <a:xfrm>
+            <a:off x="204994" y="3037343"/>
+            <a:ext cx="5485714" cy="3657143"/>
+          </a:xfrm>
+          <a:prstGeom prst="rect">
+            <a:avLst/>
+          </a:prstGeom>
+        </p:spPr>
+      </p:pic>
+      <p:pic>
+        <p:nvPicPr>
+          <p:cNvPr id="4" name="Picture 3">
+            <a:extLst>
+              <a:ext uri="{FF2B5EF4-FFF2-40B4-BE49-F238E27FC236}">
+                <a16:creationId xmlns:a16="http://schemas.microsoft.com/office/drawing/2014/main" id="{44F3C458-60F5-4AB2-895C-D12D17C523A7}"/>
+              </a:ext>
+            </a:extLst>
+          </p:cNvPr>
+          <p:cNvPicPr>
+            <a:picLocks noChangeAspect="1"/>
+          </p:cNvPicPr>
+          <p:nvPr/>
+        </p:nvPicPr>
+        <p:blipFill>
+          <a:blip r:embed="rId3"/>
+          <a:stretch>
+            <a:fillRect/>
+          </a:stretch>
+        </p:blipFill>
+        <p:spPr>
+          <a:xfrm>
+            <a:off x="6321393" y="3036569"/>
+            <a:ext cx="5486876" cy="3657917"/>
+          </a:xfrm>
+          <a:prstGeom prst="rect">
+            <a:avLst/>
+          </a:prstGeom>
+        </p:spPr>
+      </p:pic>
     </p:spTree>
     <p:extLst>
       <p:ext uri="{BB962C8B-B14F-4D97-AF65-F5344CB8AC3E}">
         <p14:creationId xmlns:p14="http://schemas.microsoft.com/office/powerpoint/2010/main" val="1880647758"/>
+      </p:ext>
+    </p:extLst>
+  </p:cSld>
+  <p:clrMapOvr>
+    <a:masterClrMapping/>
+  </p:clrMapOvr>
+</p:sld>
+</file>
+
+<file path=ppt/slides/slide3.xml><?xml version="1.0" encoding="utf-8"?>
+<p:sld xmlns:a="http://schemas.openxmlformats.org/drawingml/2006/main" xmlns:r="http://schemas.openxmlformats.org/officeDocument/2006/relationships" xmlns:p="http://schemas.openxmlformats.org/presentationml/2006/main">
+  <p:cSld>
+    <p:spTree>
+      <p:nvGrpSpPr>
+        <p:cNvPr id="1" name=""/>
+        <p:cNvGrpSpPr/>
+        <p:nvPr/>
+      </p:nvGrpSpPr>
+      <p:grpSpPr>
+        <a:xfrm>
+          <a:off x="0" y="0"/>
+          <a:ext cx="0" cy="0"/>
+          <a:chOff x="0" y="0"/>
+          <a:chExt cx="0" cy="0"/>
+        </a:xfrm>
+      </p:grpSpPr>
+      <p:sp>
+        <p:nvSpPr>
+          <p:cNvPr id="2" name="Title 1">
+            <a:extLst>
+              <a:ext uri="{FF2B5EF4-FFF2-40B4-BE49-F238E27FC236}">
+                <a16:creationId xmlns:a16="http://schemas.microsoft.com/office/drawing/2014/main" id="{25130F03-E9F5-450E-A7E7-6B0BFB7C516F}"/>
+              </a:ext>
+            </a:extLst>
+          </p:cNvPr>
+          <p:cNvSpPr>
+            <a:spLocks noGrp="1"/>
+          </p:cNvSpPr>
+          <p:nvPr>
+            <p:ph type="title"/>
+          </p:nvPr>
+        </p:nvSpPr>
+        <p:spPr/>
+        <p:txBody>
+          <a:bodyPr/>
+          <a:lstStyle/>
+          <a:p>
+            <a:endParaRPr lang="en-US"/>
+          </a:p>
+        </p:txBody>
+      </p:sp>
+      <p:pic>
+        <p:nvPicPr>
+          <p:cNvPr id="5" name="Content Placeholder 4" descr="Chart, scatter chart&#10;&#10;Description automatically generated">
+            <a:extLst>
+              <a:ext uri="{FF2B5EF4-FFF2-40B4-BE49-F238E27FC236}">
+                <a16:creationId xmlns:a16="http://schemas.microsoft.com/office/drawing/2014/main" id="{2E542A14-B897-43F3-95B7-C0191CDE6461}"/>
+              </a:ext>
+            </a:extLst>
+          </p:cNvPr>
+          <p:cNvPicPr>
+            <a:picLocks noGrp="1" noChangeAspect="1"/>
+          </p:cNvPicPr>
+          <p:nvPr>
+            <p:ph idx="1"/>
+          </p:nvPr>
+        </p:nvPicPr>
+        <p:blipFill>
+          <a:blip r:embed="rId2">
+            <a:extLst>
+              <a:ext uri="{28A0092B-C50C-407E-A947-70E740481C1C}">
+                <a14:useLocalDpi xmlns:a14="http://schemas.microsoft.com/office/drawing/2010/main" val="0"/>
+              </a:ext>
+            </a:extLst>
+          </a:blip>
+          <a:stretch>
+            <a:fillRect/>
+          </a:stretch>
+        </p:blipFill>
+        <p:spPr>
+          <a:xfrm>
+            <a:off x="610286" y="3071079"/>
+            <a:ext cx="5485714" cy="3657143"/>
+          </a:xfrm>
+        </p:spPr>
+      </p:pic>
+      <p:pic>
+        <p:nvPicPr>
+          <p:cNvPr id="7" name="Picture 6" descr="Chart, scatter chart&#10;&#10;Description automatically generated">
+            <a:extLst>
+              <a:ext uri="{FF2B5EF4-FFF2-40B4-BE49-F238E27FC236}">
+                <a16:creationId xmlns:a16="http://schemas.microsoft.com/office/drawing/2014/main" id="{0EDB83AA-ADA8-4055-AB4F-798B9F0F274E}"/>
+              </a:ext>
+            </a:extLst>
+          </p:cNvPr>
+          <p:cNvPicPr>
+            <a:picLocks noChangeAspect="1"/>
+          </p:cNvPicPr>
+          <p:nvPr/>
+        </p:nvPicPr>
+        <p:blipFill>
+          <a:blip r:embed="rId3">
+            <a:extLst>
+              <a:ext uri="{28A0092B-C50C-407E-A947-70E740481C1C}">
+                <a14:useLocalDpi xmlns:a14="http://schemas.microsoft.com/office/drawing/2010/main" val="0"/>
+              </a:ext>
+            </a:extLst>
+          </a:blip>
+          <a:stretch>
+            <a:fillRect/>
+          </a:stretch>
+        </p:blipFill>
+        <p:spPr>
+          <a:xfrm>
+            <a:off x="6096000" y="3071079"/>
+            <a:ext cx="5485714" cy="3657143"/>
+          </a:xfrm>
+          <a:prstGeom prst="rect">
+            <a:avLst/>
+          </a:prstGeom>
+        </p:spPr>
+      </p:pic>
+    </p:spTree>
+    <p:extLst>
+      <p:ext uri="{BB962C8B-B14F-4D97-AF65-F5344CB8AC3E}">
+        <p14:creationId xmlns:p14="http://schemas.microsoft.com/office/powerpoint/2010/main" val="2812325662"/>
+      </p:ext>
+    </p:extLst>
+  </p:cSld>
+  <p:clrMapOvr>
+    <a:masterClrMapping/>
+  </p:clrMapOvr>
+</p:sld>
+</file>
+
+<file path=ppt/slides/slide4.xml><?xml version="1.0" encoding="utf-8"?>
+<p:sld xmlns:a="http://schemas.openxmlformats.org/drawingml/2006/main" xmlns:r="http://schemas.openxmlformats.org/officeDocument/2006/relationships" xmlns:p="http://schemas.openxmlformats.org/presentationml/2006/main">
+  <p:cSld>
+    <p:spTree>
+      <p:nvGrpSpPr>
+        <p:cNvPr id="1" name=""/>
+        <p:cNvGrpSpPr/>
+        <p:nvPr/>
+      </p:nvGrpSpPr>
+      <p:grpSpPr>
+        <a:xfrm>
+          <a:off x="0" y="0"/>
+          <a:ext cx="0" cy="0"/>
+          <a:chOff x="0" y="0"/>
+          <a:chExt cx="0" cy="0"/>
+        </a:xfrm>
+      </p:grpSpPr>
+      <p:sp>
+        <p:nvSpPr>
+          <p:cNvPr id="2" name="Title 1">
+            <a:extLst>
+              <a:ext uri="{FF2B5EF4-FFF2-40B4-BE49-F238E27FC236}">
+                <a16:creationId xmlns:a16="http://schemas.microsoft.com/office/drawing/2014/main" id="{13C7D08F-9F85-40C7-99F4-5ABEC976DFE0}"/>
+              </a:ext>
+            </a:extLst>
+          </p:cNvPr>
+          <p:cNvSpPr>
+            <a:spLocks noGrp="1"/>
+          </p:cNvSpPr>
+          <p:nvPr>
+            <p:ph type="title"/>
+          </p:nvPr>
+        </p:nvSpPr>
+        <p:spPr/>
+        <p:txBody>
+          <a:bodyPr/>
+          <a:lstStyle/>
+          <a:p>
+            <a:endParaRPr lang="en-US"/>
+          </a:p>
+        </p:txBody>
+      </p:sp>
+      <p:pic>
+        <p:nvPicPr>
+          <p:cNvPr id="5" name="Content Placeholder 4" descr="Chart, scatter chart&#10;&#10;Description automatically generated">
+            <a:extLst>
+              <a:ext uri="{FF2B5EF4-FFF2-40B4-BE49-F238E27FC236}">
+                <a16:creationId xmlns:a16="http://schemas.microsoft.com/office/drawing/2014/main" id="{5C5DA985-07EF-43F9-A5F3-A6052FE731BD}"/>
+              </a:ext>
+            </a:extLst>
+          </p:cNvPr>
+          <p:cNvPicPr>
+            <a:picLocks noGrp="1" noChangeAspect="1"/>
+          </p:cNvPicPr>
+          <p:nvPr>
+            <p:ph idx="1"/>
+          </p:nvPr>
+        </p:nvPicPr>
+        <p:blipFill>
+          <a:blip r:embed="rId2">
+            <a:extLst>
+              <a:ext uri="{28A0092B-C50C-407E-A947-70E740481C1C}">
+                <a14:useLocalDpi xmlns:a14="http://schemas.microsoft.com/office/drawing/2010/main" val="0"/>
+              </a:ext>
+            </a:extLst>
+          </a:blip>
+          <a:stretch>
+            <a:fillRect/>
+          </a:stretch>
+        </p:blipFill>
+        <p:spPr>
+          <a:xfrm>
+            <a:off x="610286" y="2657995"/>
+            <a:ext cx="5485714" cy="3657143"/>
+          </a:xfrm>
+        </p:spPr>
+      </p:pic>
+      <p:pic>
+        <p:nvPicPr>
+          <p:cNvPr id="7" name="Picture 6" descr="Chart, scatter chart&#10;&#10;Description automatically generated">
+            <a:extLst>
+              <a:ext uri="{FF2B5EF4-FFF2-40B4-BE49-F238E27FC236}">
+                <a16:creationId xmlns:a16="http://schemas.microsoft.com/office/drawing/2014/main" id="{62DC2455-E398-48B7-A086-DEDF2895EFB5}"/>
+              </a:ext>
+            </a:extLst>
+          </p:cNvPr>
+          <p:cNvPicPr>
+            <a:picLocks noChangeAspect="1"/>
+          </p:cNvPicPr>
+          <p:nvPr/>
+        </p:nvPicPr>
+        <p:blipFill>
+          <a:blip r:embed="rId3">
+            <a:extLst>
+              <a:ext uri="{28A0092B-C50C-407E-A947-70E740481C1C}">
+                <a14:useLocalDpi xmlns:a14="http://schemas.microsoft.com/office/drawing/2010/main" val="0"/>
+              </a:ext>
+            </a:extLst>
+          </a:blip>
+          <a:stretch>
+            <a:fillRect/>
+          </a:stretch>
+        </p:blipFill>
+        <p:spPr>
+          <a:xfrm>
+            <a:off x="6096000" y="2657995"/>
+            <a:ext cx="5485714" cy="3657143"/>
+          </a:xfrm>
+          <a:prstGeom prst="rect">
+            <a:avLst/>
+          </a:prstGeom>
+        </p:spPr>
+      </p:pic>
+    </p:spTree>
+    <p:extLst>
+      <p:ext uri="{BB962C8B-B14F-4D97-AF65-F5344CB8AC3E}">
+        <p14:creationId xmlns:p14="http://schemas.microsoft.com/office/powerpoint/2010/main" val="1654466133"/>
+      </p:ext>
+    </p:extLst>
+  </p:cSld>
+  <p:clrMapOvr>
+    <a:masterClrMapping/>
+  </p:clrMapOvr>
+</p:sld>
+</file>
+
+<file path=ppt/slides/slide5.xml><?xml version="1.0" encoding="utf-8"?>
+<p:sld xmlns:a="http://schemas.openxmlformats.org/drawingml/2006/main" xmlns:r="http://schemas.openxmlformats.org/officeDocument/2006/relationships" xmlns:p="http://schemas.openxmlformats.org/presentationml/2006/main">
+  <p:cSld>
+    <p:spTree>
+      <p:nvGrpSpPr>
+        <p:cNvPr id="1" name=""/>
+        <p:cNvGrpSpPr/>
+        <p:nvPr/>
+      </p:nvGrpSpPr>
+      <p:grpSpPr>
+        <a:xfrm>
+          <a:off x="0" y="0"/>
+          <a:ext cx="0" cy="0"/>
+          <a:chOff x="0" y="0"/>
+          <a:chExt cx="0" cy="0"/>
+        </a:xfrm>
+      </p:grpSpPr>
+      <p:sp>
+        <p:nvSpPr>
+          <p:cNvPr id="7" name="Content Placeholder 6">
+            <a:extLst>
+              <a:ext uri="{FF2B5EF4-FFF2-40B4-BE49-F238E27FC236}">
+                <a16:creationId xmlns:a16="http://schemas.microsoft.com/office/drawing/2014/main" id="{266902B0-89A3-4563-AAF8-E0376C78912B}"/>
+              </a:ext>
+            </a:extLst>
+          </p:cNvPr>
+          <p:cNvSpPr>
+            <a:spLocks noGrp="1"/>
+          </p:cNvSpPr>
+          <p:nvPr>
+            <p:ph idx="1"/>
+          </p:nvPr>
+        </p:nvSpPr>
+        <p:spPr/>
+        <p:txBody>
+          <a:bodyPr/>
+          <a:lstStyle/>
+          <a:p>
+            <a:endParaRPr lang="en-US"/>
+          </a:p>
+        </p:txBody>
+      </p:sp>
+    </p:spTree>
+    <p:extLst>
+      <p:ext uri="{BB962C8B-B14F-4D97-AF65-F5344CB8AC3E}">
+        <p14:creationId xmlns:p14="http://schemas.microsoft.com/office/powerpoint/2010/main" val="3572256990"/>
       </p:ext>
     </p:extLst>
   </p:cSld>
